--- a/Presentation and Notes.pptx
+++ b/Presentation and Notes.pptx
@@ -203,7 +203,7 @@
           <a:p>
             <a:fld id="{84764E6F-0ADA-994D-80C8-E6EB94B0E971}" type="datetimeFigureOut">
               <a:rPr lang="en-US" smtClean="0"/>
-              <a:t>04/07/21</a:t>
+              <a:t>05/07/21</a:t>
             </a:fld>
             <a:endParaRPr lang="en-US"/>
           </a:p>
@@ -517,6 +517,221 @@
           <a:p>
             <a:r>
               <a:rPr lang="en-US" dirty="0" smtClean="0"/>
+              <a:t>Play Music</a:t>
+            </a:r>
+            <a:r>
+              <a:rPr lang="en-US" baseline="0" dirty="0" smtClean="0"/>
+              <a:t>  remember to turn it off</a:t>
+            </a:r>
+          </a:p>
+          <a:p>
+            <a:endParaRPr lang="en-US" baseline="0" dirty="0" smtClean="0"/>
+          </a:p>
+          <a:p>
+            <a:r>
+              <a:rPr lang="en-US" baseline="0" dirty="0" smtClean="0"/>
+              <a:t>Introduce</a:t>
+            </a:r>
+          </a:p>
+          <a:p>
+            <a:endParaRPr lang="en-US" baseline="0" dirty="0" smtClean="0"/>
+          </a:p>
+          <a:p>
+            <a:r>
+              <a:rPr lang="en-US" baseline="0" dirty="0" smtClean="0"/>
+              <a:t>Post link to discord</a:t>
+            </a:r>
+            <a:endParaRPr lang="en-US" dirty="0"/>
+          </a:p>
+        </p:txBody>
+      </p:sp>
+      <p:sp>
+        <p:nvSpPr>
+          <p:cNvPr id="4" name="Slide Number Placeholder 3"/>
+          <p:cNvSpPr>
+            <a:spLocks noGrp="1"/>
+          </p:cNvSpPr>
+          <p:nvPr>
+            <p:ph type="sldNum" sz="quarter" idx="10"/>
+          </p:nvPr>
+        </p:nvSpPr>
+        <p:spPr/>
+        <p:txBody>
+          <a:bodyPr/>
+          <a:lstStyle/>
+          <a:p>
+            <a:fld id="{16686EAA-8504-A44A-AEE2-22BE46DF025C}" type="slidenum">
+              <a:rPr lang="en-US" smtClean="0"/>
+              <a:t>1</a:t>
+            </a:fld>
+            <a:endParaRPr lang="en-US"/>
+          </a:p>
+        </p:txBody>
+      </p:sp>
+    </p:spTree>
+    <p:extLst>
+      <p:ext uri="{BB962C8B-B14F-4D97-AF65-F5344CB8AC3E}">
+        <p14:creationId xmlns:p14="http://schemas.microsoft.com/office/powerpoint/2010/main" val="1061956585"/>
+      </p:ext>
+    </p:extLst>
+  </p:cSld>
+  <p:clrMapOvr>
+    <a:masterClrMapping/>
+  </p:clrMapOvr>
+</p:notes>
+</file>
+
+<file path=ppt/notesSlides/notesSlide2.xml><?xml version="1.0" encoding="utf-8"?>
+<p:notes xmlns:a="http://schemas.openxmlformats.org/drawingml/2006/main" xmlns:r="http://schemas.openxmlformats.org/officeDocument/2006/relationships" xmlns:p="http://schemas.openxmlformats.org/presentationml/2006/main">
+  <p:cSld>
+    <p:spTree>
+      <p:nvGrpSpPr>
+        <p:cNvPr id="1" name=""/>
+        <p:cNvGrpSpPr/>
+        <p:nvPr/>
+      </p:nvGrpSpPr>
+      <p:grpSpPr>
+        <a:xfrm>
+          <a:off x="0" y="0"/>
+          <a:ext cx="0" cy="0"/>
+          <a:chOff x="0" y="0"/>
+          <a:chExt cx="0" cy="0"/>
+        </a:xfrm>
+      </p:grpSpPr>
+      <p:sp>
+        <p:nvSpPr>
+          <p:cNvPr id="2" name="Slide Image Placeholder 1"/>
+          <p:cNvSpPr>
+            <a:spLocks noGrp="1" noRot="1" noChangeAspect="1"/>
+          </p:cNvSpPr>
+          <p:nvPr>
+            <p:ph type="sldImg"/>
+          </p:nvPr>
+        </p:nvSpPr>
+        <p:spPr/>
+      </p:sp>
+      <p:sp>
+        <p:nvSpPr>
+          <p:cNvPr id="3" name="Notes Placeholder 2"/>
+          <p:cNvSpPr>
+            <a:spLocks noGrp="1"/>
+          </p:cNvSpPr>
+          <p:nvPr>
+            <p:ph type="body" idx="1"/>
+          </p:nvPr>
+        </p:nvSpPr>
+        <p:spPr/>
+        <p:txBody>
+          <a:bodyPr/>
+          <a:lstStyle/>
+          <a:p>
+            <a:r>
+              <a:rPr lang="en-US" dirty="0" err="1" smtClean="0"/>
+              <a:t>Git</a:t>
+            </a:r>
+            <a:r>
+              <a:rPr lang="en-US" dirty="0" smtClean="0"/>
+              <a:t> - https://</a:t>
+            </a:r>
+            <a:r>
+              <a:rPr lang="en-US" dirty="0" err="1" smtClean="0"/>
+              <a:t>git-scm.com</a:t>
+            </a:r>
+            <a:r>
+              <a:rPr lang="en-US" dirty="0" smtClean="0"/>
+              <a:t>/book/en/v2/Getting-Started-About-Version-Control</a:t>
+            </a:r>
+          </a:p>
+          <a:p>
+            <a:endParaRPr lang="en-US" dirty="0" smtClean="0"/>
+          </a:p>
+          <a:p>
+            <a:endParaRPr lang="en-US" dirty="0"/>
+          </a:p>
+        </p:txBody>
+      </p:sp>
+      <p:sp>
+        <p:nvSpPr>
+          <p:cNvPr id="4" name="Slide Number Placeholder 3"/>
+          <p:cNvSpPr>
+            <a:spLocks noGrp="1"/>
+          </p:cNvSpPr>
+          <p:nvPr>
+            <p:ph type="sldNum" sz="quarter" idx="10"/>
+          </p:nvPr>
+        </p:nvSpPr>
+        <p:spPr/>
+        <p:txBody>
+          <a:bodyPr/>
+          <a:lstStyle/>
+          <a:p>
+            <a:fld id="{16686EAA-8504-A44A-AEE2-22BE46DF025C}" type="slidenum">
+              <a:rPr lang="en-US" smtClean="0"/>
+              <a:t>2</a:t>
+            </a:fld>
+            <a:endParaRPr lang="en-US"/>
+          </a:p>
+        </p:txBody>
+      </p:sp>
+    </p:spTree>
+    <p:extLst>
+      <p:ext uri="{BB962C8B-B14F-4D97-AF65-F5344CB8AC3E}">
+        <p14:creationId xmlns:p14="http://schemas.microsoft.com/office/powerpoint/2010/main" val="2029979511"/>
+      </p:ext>
+    </p:extLst>
+  </p:cSld>
+  <p:clrMapOvr>
+    <a:masterClrMapping/>
+  </p:clrMapOvr>
+</p:notes>
+</file>
+
+<file path=ppt/notesSlides/notesSlide3.xml><?xml version="1.0" encoding="utf-8"?>
+<p:notes xmlns:a="http://schemas.openxmlformats.org/drawingml/2006/main" xmlns:r="http://schemas.openxmlformats.org/officeDocument/2006/relationships" xmlns:p="http://schemas.openxmlformats.org/presentationml/2006/main">
+  <p:cSld>
+    <p:spTree>
+      <p:nvGrpSpPr>
+        <p:cNvPr id="1" name=""/>
+        <p:cNvGrpSpPr/>
+        <p:nvPr/>
+      </p:nvGrpSpPr>
+      <p:grpSpPr>
+        <a:xfrm>
+          <a:off x="0" y="0"/>
+          <a:ext cx="0" cy="0"/>
+          <a:chOff x="0" y="0"/>
+          <a:chExt cx="0" cy="0"/>
+        </a:xfrm>
+      </p:grpSpPr>
+      <p:sp>
+        <p:nvSpPr>
+          <p:cNvPr id="2" name="Slide Image Placeholder 1"/>
+          <p:cNvSpPr>
+            <a:spLocks noGrp="1" noRot="1" noChangeAspect="1"/>
+          </p:cNvSpPr>
+          <p:nvPr>
+            <p:ph type="sldImg"/>
+          </p:nvPr>
+        </p:nvSpPr>
+        <p:spPr/>
+      </p:sp>
+      <p:sp>
+        <p:nvSpPr>
+          <p:cNvPr id="3" name="Notes Placeholder 2"/>
+          <p:cNvSpPr>
+            <a:spLocks noGrp="1"/>
+          </p:cNvSpPr>
+          <p:nvPr>
+            <p:ph type="body" idx="1"/>
+          </p:nvPr>
+        </p:nvSpPr>
+        <p:spPr/>
+        <p:txBody>
+          <a:bodyPr/>
+          <a:lstStyle/>
+          <a:p>
+            <a:r>
+              <a:rPr lang="en-US" dirty="0" smtClean="0"/>
               <a:t>But what is a version control system</a:t>
             </a:r>
             <a:endParaRPr lang="en-US" dirty="0"/>
@@ -550,6 +765,409 @@
     <p:extLst>
       <p:ext uri="{BB962C8B-B14F-4D97-AF65-F5344CB8AC3E}">
         <p14:creationId xmlns:p14="http://schemas.microsoft.com/office/powerpoint/2010/main" val="3875165229"/>
+      </p:ext>
+    </p:extLst>
+  </p:cSld>
+  <p:clrMapOvr>
+    <a:masterClrMapping/>
+  </p:clrMapOvr>
+</p:notes>
+</file>
+
+<file path=ppt/notesSlides/notesSlide4.xml><?xml version="1.0" encoding="utf-8"?>
+<p:notes xmlns:a="http://schemas.openxmlformats.org/drawingml/2006/main" xmlns:r="http://schemas.openxmlformats.org/officeDocument/2006/relationships" xmlns:p="http://schemas.openxmlformats.org/presentationml/2006/main">
+  <p:cSld>
+    <p:spTree>
+      <p:nvGrpSpPr>
+        <p:cNvPr id="1" name=""/>
+        <p:cNvGrpSpPr/>
+        <p:nvPr/>
+      </p:nvGrpSpPr>
+      <p:grpSpPr>
+        <a:xfrm>
+          <a:off x="0" y="0"/>
+          <a:ext cx="0" cy="0"/>
+          <a:chOff x="0" y="0"/>
+          <a:chExt cx="0" cy="0"/>
+        </a:xfrm>
+      </p:grpSpPr>
+      <p:sp>
+        <p:nvSpPr>
+          <p:cNvPr id="2" name="Slide Image Placeholder 1"/>
+          <p:cNvSpPr>
+            <a:spLocks noGrp="1" noRot="1" noChangeAspect="1"/>
+          </p:cNvSpPr>
+          <p:nvPr>
+            <p:ph type="sldImg"/>
+          </p:nvPr>
+        </p:nvSpPr>
+        <p:spPr/>
+      </p:sp>
+      <p:sp>
+        <p:nvSpPr>
+          <p:cNvPr id="3" name="Notes Placeholder 2"/>
+          <p:cNvSpPr>
+            <a:spLocks noGrp="1"/>
+          </p:cNvSpPr>
+          <p:nvPr>
+            <p:ph type="body" idx="1"/>
+          </p:nvPr>
+        </p:nvSpPr>
+        <p:spPr/>
+        <p:txBody>
+          <a:bodyPr/>
+          <a:lstStyle/>
+          <a:p>
+            <a:r>
+              <a:rPr lang="en-US" dirty="0" smtClean="0"/>
+              <a:t>Word</a:t>
+            </a:r>
+            <a:r>
+              <a:rPr lang="en-US" baseline="0" dirty="0" smtClean="0"/>
+              <a:t> </a:t>
+            </a:r>
+            <a:r>
+              <a:rPr lang="en-US" baseline="0" dirty="0" err="1" smtClean="0"/>
+              <a:t>Doccument</a:t>
+            </a:r>
+            <a:r>
+              <a:rPr lang="en-US" baseline="0" dirty="0" smtClean="0"/>
+              <a:t> / essay</a:t>
+            </a:r>
+          </a:p>
+          <a:p>
+            <a:endParaRPr lang="en-US" baseline="0" dirty="0" smtClean="0"/>
+          </a:p>
+          <a:p>
+            <a:r>
+              <a:rPr lang="en-US" baseline="0" dirty="0" smtClean="0"/>
+              <a:t>Consider commit is like saving a file with a name that </a:t>
+            </a:r>
+            <a:r>
+              <a:rPr lang="en-US" baseline="0" dirty="0" err="1" smtClean="0"/>
+              <a:t>descibes</a:t>
+            </a:r>
+            <a:r>
+              <a:rPr lang="en-US" baseline="0" dirty="0" smtClean="0"/>
+              <a:t> what you</a:t>
+            </a:r>
+            <a:r>
+              <a:rPr lang="mr-IN" baseline="0" dirty="0" smtClean="0"/>
+              <a:t>’</a:t>
+            </a:r>
+            <a:r>
+              <a:rPr lang="en-US" baseline="0" dirty="0" err="1" smtClean="0"/>
+              <a:t>ve</a:t>
+            </a:r>
+            <a:r>
+              <a:rPr lang="en-US" baseline="0" dirty="0" smtClean="0"/>
+              <a:t> done so you can return to any of your previous save points</a:t>
+            </a:r>
+          </a:p>
+          <a:p>
+            <a:endParaRPr lang="en-US" baseline="0" dirty="0" smtClean="0"/>
+          </a:p>
+          <a:p>
+            <a:r>
+              <a:rPr lang="en-US" baseline="0" dirty="0" smtClean="0"/>
+              <a:t>You can also create alternative versions</a:t>
+            </a:r>
+          </a:p>
+          <a:p>
+            <a:endParaRPr lang="en-US" baseline="0" dirty="0" smtClean="0"/>
+          </a:p>
+          <a:p>
+            <a:r>
+              <a:rPr lang="en-US" baseline="0" dirty="0" smtClean="0"/>
+              <a:t>Questions</a:t>
+            </a:r>
+            <a:endParaRPr lang="en-US" dirty="0"/>
+          </a:p>
+        </p:txBody>
+      </p:sp>
+      <p:sp>
+        <p:nvSpPr>
+          <p:cNvPr id="4" name="Slide Number Placeholder 3"/>
+          <p:cNvSpPr>
+            <a:spLocks noGrp="1"/>
+          </p:cNvSpPr>
+          <p:nvPr>
+            <p:ph type="sldNum" sz="quarter" idx="10"/>
+          </p:nvPr>
+        </p:nvSpPr>
+        <p:spPr/>
+        <p:txBody>
+          <a:bodyPr/>
+          <a:lstStyle/>
+          <a:p>
+            <a:fld id="{16686EAA-8504-A44A-AEE2-22BE46DF025C}" type="slidenum">
+              <a:rPr lang="en-US" smtClean="0"/>
+              <a:t>4</a:t>
+            </a:fld>
+            <a:endParaRPr lang="en-US"/>
+          </a:p>
+        </p:txBody>
+      </p:sp>
+    </p:spTree>
+    <p:extLst>
+      <p:ext uri="{BB962C8B-B14F-4D97-AF65-F5344CB8AC3E}">
+        <p14:creationId xmlns:p14="http://schemas.microsoft.com/office/powerpoint/2010/main" val="2423226372"/>
+      </p:ext>
+    </p:extLst>
+  </p:cSld>
+  <p:clrMapOvr>
+    <a:masterClrMapping/>
+  </p:clrMapOvr>
+</p:notes>
+</file>
+
+<file path=ppt/notesSlides/notesSlide5.xml><?xml version="1.0" encoding="utf-8"?>
+<p:notes xmlns:a="http://schemas.openxmlformats.org/drawingml/2006/main" xmlns:r="http://schemas.openxmlformats.org/officeDocument/2006/relationships" xmlns:p="http://schemas.openxmlformats.org/presentationml/2006/main">
+  <p:cSld>
+    <p:spTree>
+      <p:nvGrpSpPr>
+        <p:cNvPr id="1" name=""/>
+        <p:cNvGrpSpPr/>
+        <p:nvPr/>
+      </p:nvGrpSpPr>
+      <p:grpSpPr>
+        <a:xfrm>
+          <a:off x="0" y="0"/>
+          <a:ext cx="0" cy="0"/>
+          <a:chOff x="0" y="0"/>
+          <a:chExt cx="0" cy="0"/>
+        </a:xfrm>
+      </p:grpSpPr>
+      <p:sp>
+        <p:nvSpPr>
+          <p:cNvPr id="2" name="Slide Image Placeholder 1"/>
+          <p:cNvSpPr>
+            <a:spLocks noGrp="1" noRot="1" noChangeAspect="1"/>
+          </p:cNvSpPr>
+          <p:nvPr>
+            <p:ph type="sldImg"/>
+          </p:nvPr>
+        </p:nvSpPr>
+        <p:spPr/>
+      </p:sp>
+      <p:sp>
+        <p:nvSpPr>
+          <p:cNvPr id="3" name="Notes Placeholder 2"/>
+          <p:cNvSpPr>
+            <a:spLocks noGrp="1"/>
+          </p:cNvSpPr>
+          <p:nvPr>
+            <p:ph type="body" idx="1"/>
+          </p:nvPr>
+        </p:nvSpPr>
+        <p:spPr/>
+        <p:txBody>
+          <a:bodyPr/>
+          <a:lstStyle/>
+          <a:p>
+            <a:endParaRPr lang="en-US" dirty="0"/>
+          </a:p>
+        </p:txBody>
+      </p:sp>
+      <p:sp>
+        <p:nvSpPr>
+          <p:cNvPr id="4" name="Slide Number Placeholder 3"/>
+          <p:cNvSpPr>
+            <a:spLocks noGrp="1"/>
+          </p:cNvSpPr>
+          <p:nvPr>
+            <p:ph type="sldNum" sz="quarter" idx="10"/>
+          </p:nvPr>
+        </p:nvSpPr>
+        <p:spPr/>
+        <p:txBody>
+          <a:bodyPr/>
+          <a:lstStyle/>
+          <a:p>
+            <a:fld id="{16686EAA-8504-A44A-AEE2-22BE46DF025C}" type="slidenum">
+              <a:rPr lang="en-US" smtClean="0"/>
+              <a:t>7</a:t>
+            </a:fld>
+            <a:endParaRPr lang="en-US"/>
+          </a:p>
+        </p:txBody>
+      </p:sp>
+    </p:spTree>
+    <p:extLst>
+      <p:ext uri="{BB962C8B-B14F-4D97-AF65-F5344CB8AC3E}">
+        <p14:creationId xmlns:p14="http://schemas.microsoft.com/office/powerpoint/2010/main" val="468630137"/>
+      </p:ext>
+    </p:extLst>
+  </p:cSld>
+  <p:clrMapOvr>
+    <a:masterClrMapping/>
+  </p:clrMapOvr>
+</p:notes>
+</file>
+
+<file path=ppt/notesSlides/notesSlide6.xml><?xml version="1.0" encoding="utf-8"?>
+<p:notes xmlns:a="http://schemas.openxmlformats.org/drawingml/2006/main" xmlns:r="http://schemas.openxmlformats.org/officeDocument/2006/relationships" xmlns:p="http://schemas.openxmlformats.org/presentationml/2006/main">
+  <p:cSld>
+    <p:spTree>
+      <p:nvGrpSpPr>
+        <p:cNvPr id="1" name=""/>
+        <p:cNvGrpSpPr/>
+        <p:nvPr/>
+      </p:nvGrpSpPr>
+      <p:grpSpPr>
+        <a:xfrm>
+          <a:off x="0" y="0"/>
+          <a:ext cx="0" cy="0"/>
+          <a:chOff x="0" y="0"/>
+          <a:chExt cx="0" cy="0"/>
+        </a:xfrm>
+      </p:grpSpPr>
+      <p:sp>
+        <p:nvSpPr>
+          <p:cNvPr id="2" name="Slide Image Placeholder 1"/>
+          <p:cNvSpPr>
+            <a:spLocks noGrp="1" noRot="1" noChangeAspect="1"/>
+          </p:cNvSpPr>
+          <p:nvPr>
+            <p:ph type="sldImg"/>
+          </p:nvPr>
+        </p:nvSpPr>
+        <p:spPr/>
+      </p:sp>
+      <p:sp>
+        <p:nvSpPr>
+          <p:cNvPr id="3" name="Notes Placeholder 2"/>
+          <p:cNvSpPr>
+            <a:spLocks noGrp="1"/>
+          </p:cNvSpPr>
+          <p:nvPr>
+            <p:ph type="body" idx="1"/>
+          </p:nvPr>
+        </p:nvSpPr>
+        <p:spPr/>
+        <p:txBody>
+          <a:bodyPr/>
+          <a:lstStyle/>
+          <a:p>
+            <a:endParaRPr lang="en-US" dirty="0"/>
+          </a:p>
+        </p:txBody>
+      </p:sp>
+      <p:sp>
+        <p:nvSpPr>
+          <p:cNvPr id="4" name="Slide Number Placeholder 3"/>
+          <p:cNvSpPr>
+            <a:spLocks noGrp="1"/>
+          </p:cNvSpPr>
+          <p:nvPr>
+            <p:ph type="sldNum" sz="quarter" idx="10"/>
+          </p:nvPr>
+        </p:nvSpPr>
+        <p:spPr/>
+        <p:txBody>
+          <a:bodyPr/>
+          <a:lstStyle/>
+          <a:p>
+            <a:fld id="{16686EAA-8504-A44A-AEE2-22BE46DF025C}" type="slidenum">
+              <a:rPr lang="en-US" smtClean="0"/>
+              <a:t>9</a:t>
+            </a:fld>
+            <a:endParaRPr lang="en-US"/>
+          </a:p>
+        </p:txBody>
+      </p:sp>
+    </p:spTree>
+    <p:extLst>
+      <p:ext uri="{BB962C8B-B14F-4D97-AF65-F5344CB8AC3E}">
+        <p14:creationId xmlns:p14="http://schemas.microsoft.com/office/powerpoint/2010/main" val="2881237110"/>
+      </p:ext>
+    </p:extLst>
+  </p:cSld>
+  <p:clrMapOvr>
+    <a:masterClrMapping/>
+  </p:clrMapOvr>
+</p:notes>
+</file>
+
+<file path=ppt/notesSlides/notesSlide7.xml><?xml version="1.0" encoding="utf-8"?>
+<p:notes xmlns:a="http://schemas.openxmlformats.org/drawingml/2006/main" xmlns:r="http://schemas.openxmlformats.org/officeDocument/2006/relationships" xmlns:p="http://schemas.openxmlformats.org/presentationml/2006/main">
+  <p:cSld>
+    <p:spTree>
+      <p:nvGrpSpPr>
+        <p:cNvPr id="1" name=""/>
+        <p:cNvGrpSpPr/>
+        <p:nvPr/>
+      </p:nvGrpSpPr>
+      <p:grpSpPr>
+        <a:xfrm>
+          <a:off x="0" y="0"/>
+          <a:ext cx="0" cy="0"/>
+          <a:chOff x="0" y="0"/>
+          <a:chExt cx="0" cy="0"/>
+        </a:xfrm>
+      </p:grpSpPr>
+      <p:sp>
+        <p:nvSpPr>
+          <p:cNvPr id="2" name="Slide Image Placeholder 1"/>
+          <p:cNvSpPr>
+            <a:spLocks noGrp="1" noRot="1" noChangeAspect="1"/>
+          </p:cNvSpPr>
+          <p:nvPr>
+            <p:ph type="sldImg"/>
+          </p:nvPr>
+        </p:nvSpPr>
+        <p:spPr/>
+      </p:sp>
+      <p:sp>
+        <p:nvSpPr>
+          <p:cNvPr id="3" name="Notes Placeholder 2"/>
+          <p:cNvSpPr>
+            <a:spLocks noGrp="1"/>
+          </p:cNvSpPr>
+          <p:nvPr>
+            <p:ph type="body" idx="1"/>
+          </p:nvPr>
+        </p:nvSpPr>
+        <p:spPr/>
+        <p:txBody>
+          <a:bodyPr/>
+          <a:lstStyle/>
+          <a:p>
+            <a:r>
+              <a:rPr lang="en-US" smtClean="0"/>
+              <a:t>Post </a:t>
+            </a:r>
+            <a:endParaRPr lang="en-US"/>
+          </a:p>
+        </p:txBody>
+      </p:sp>
+      <p:sp>
+        <p:nvSpPr>
+          <p:cNvPr id="4" name="Slide Number Placeholder 3"/>
+          <p:cNvSpPr>
+            <a:spLocks noGrp="1"/>
+          </p:cNvSpPr>
+          <p:nvPr>
+            <p:ph type="sldNum" sz="quarter" idx="10"/>
+          </p:nvPr>
+        </p:nvSpPr>
+        <p:spPr/>
+        <p:txBody>
+          <a:bodyPr/>
+          <a:lstStyle/>
+          <a:p>
+            <a:fld id="{16686EAA-8504-A44A-AEE2-22BE46DF025C}" type="slidenum">
+              <a:rPr lang="en-US" smtClean="0"/>
+              <a:t>12</a:t>
+            </a:fld>
+            <a:endParaRPr lang="en-US"/>
+          </a:p>
+        </p:txBody>
+      </p:sp>
+    </p:spTree>
+    <p:extLst>
+      <p:ext uri="{BB962C8B-B14F-4D97-AF65-F5344CB8AC3E}">
+        <p14:creationId xmlns:p14="http://schemas.microsoft.com/office/powerpoint/2010/main" val="1744325579"/>
       </p:ext>
     </p:extLst>
   </p:cSld>
@@ -1028,7 +1646,7 @@
             <a:fld id="{7D0065BE-0657-4A47-90AD-C21C55E16B19}" type="datetime4">
               <a:rPr lang="en-US" smtClean="0"/>
               <a:pPr/>
-              <a:t>July 4, 2021</a:t>
+              <a:t>July 5, 2021</a:t>
             </a:fld>
             <a:endParaRPr lang="en-US"/>
           </a:p>
@@ -1195,7 +1813,7 @@
             <a:fld id="{A16C3AA4-67BE-44F7-809A-3582401494AF}" type="datetime4">
               <a:rPr lang="en-US" smtClean="0"/>
               <a:pPr/>
-              <a:t>July 4, 2021</a:t>
+              <a:t>July 5, 2021</a:t>
             </a:fld>
             <a:endParaRPr lang="en-US"/>
           </a:p>
@@ -1372,7 +1990,7 @@
             <a:fld id="{25172EEB-1769-4776-AD69-E7C1260563EB}" type="datetime4">
               <a:rPr lang="en-US" smtClean="0"/>
               <a:pPr/>
-              <a:t>July 4, 2021</a:t>
+              <a:t>July 5, 2021</a:t>
             </a:fld>
             <a:endParaRPr lang="en-US"/>
           </a:p>
@@ -1539,7 +2157,7 @@
             <a:fld id="{D47BB8AF-C16A-4836-A92D-61834B5F0BA5}" type="datetime4">
               <a:rPr lang="en-US" smtClean="0"/>
               <a:pPr/>
-              <a:t>July 4, 2021</a:t>
+              <a:t>July 5, 2021</a:t>
             </a:fld>
             <a:endParaRPr lang="en-US"/>
           </a:p>
@@ -2094,7 +2712,7 @@
             <a:fld id="{647D2193-4505-4A75-99BB-880C6989A757}" type="datetime4">
               <a:rPr lang="en-US" smtClean="0"/>
               <a:pPr/>
-              <a:t>July 4, 2021</a:t>
+              <a:t>July 5, 2021</a:t>
             </a:fld>
             <a:endParaRPr lang="en-US"/>
           </a:p>
@@ -2356,7 +2974,7 @@
             <a:fld id="{113A18F4-33C3-445B-924C-31108C51719C}" type="datetime4">
               <a:rPr lang="en-US" smtClean="0"/>
               <a:pPr/>
-              <a:t>July 4, 2021</a:t>
+              <a:t>July 5, 2021</a:t>
             </a:fld>
             <a:endParaRPr lang="en-US"/>
           </a:p>
@@ -2846,7 +3464,7 @@
             <a:fld id="{3AF7543A-E259-478F-9E0D-57BA40E442B7}" type="datetime4">
               <a:rPr lang="en-US" smtClean="0"/>
               <a:pPr/>
-              <a:t>July 4, 2021</a:t>
+              <a:t>July 5, 2021</a:t>
             </a:fld>
             <a:endParaRPr lang="en-US"/>
           </a:p>
@@ -2961,7 +3579,7 @@
             <a:fld id="{1EFB012D-77A1-44B0-BB26-329BA1EE55C9}" type="datetime4">
               <a:rPr lang="en-US" smtClean="0"/>
               <a:pPr/>
-              <a:t>July 4, 2021</a:t>
+              <a:t>July 5, 2021</a:t>
             </a:fld>
             <a:endParaRPr lang="en-US"/>
           </a:p>
@@ -3053,7 +3671,7 @@
             <a:fld id="{94B7499E-3031-413E-B01E-B94970708CAA}" type="datetime4">
               <a:rPr lang="en-US" smtClean="0"/>
               <a:pPr/>
-              <a:t>July 4, 2021</a:t>
+              <a:t>July 5, 2021</a:t>
             </a:fld>
             <a:endParaRPr lang="en-US"/>
           </a:p>
@@ -3485,7 +4103,7 @@
             <a:fld id="{DC7EAB0C-2220-4D0E-A0DD-DB7FA0F742F4}" type="datetime4">
               <a:rPr lang="en-US" smtClean="0"/>
               <a:pPr/>
-              <a:t>July 4, 2021</a:t>
+              <a:t>July 5, 2021</a:t>
             </a:fld>
             <a:endParaRPr lang="en-US"/>
           </a:p>
@@ -4020,7 +4638,7 @@
             <a:fld id="{E3416D63-31BF-4B94-B6C5-E20B2C63F515}" type="datetime4">
               <a:rPr lang="en-US" smtClean="0"/>
               <a:pPr/>
-              <a:t>July 4, 2021</a:t>
+              <a:t>July 5, 2021</a:t>
             </a:fld>
             <a:endParaRPr lang="en-US"/>
           </a:p>
@@ -4862,7 +5480,7 @@
             <a:fld id="{62B1B13E-D5AF-485E-81A1-82A140076526}" type="datetime4">
               <a:rPr lang="en-US" smtClean="0"/>
               <a:pPr/>
-              <a:t>July 4, 2021</a:t>
+              <a:t>July 5, 2021</a:t>
             </a:fld>
             <a:endParaRPr lang="en-US" dirty="0"/>
           </a:p>
@@ -5541,7 +6159,7 @@
           <p:nvPr/>
         </p:nvPicPr>
         <p:blipFill>
-          <a:blip r:embed="rId2">
+          <a:blip r:embed="rId3">
             <a:extLst>
               <a:ext uri="{28A0092B-C50C-407E-A947-70E740481C1C}">
                 <a14:useLocalDpi xmlns:a14="http://schemas.microsoft.com/office/drawing/2010/main" val="0"/>
@@ -5571,7 +6189,7 @@
           <p:nvPr/>
         </p:nvPicPr>
         <p:blipFill>
-          <a:blip r:embed="rId3">
+          <a:blip r:embed="rId4">
             <a:extLst>
               <a:ext uri="{28A0092B-C50C-407E-A947-70E740481C1C}">
                 <a14:useLocalDpi xmlns:a14="http://schemas.microsoft.com/office/drawing/2010/main" val="0"/>
@@ -5601,7 +6219,7 @@
           <p:nvPr/>
         </p:nvPicPr>
         <p:blipFill>
-          <a:blip r:embed="rId4">
+          <a:blip r:embed="rId5">
             <a:extLst>
               <a:ext uri="{28A0092B-C50C-407E-A947-70E740481C1C}">
                 <a14:useLocalDpi xmlns:a14="http://schemas.microsoft.com/office/drawing/2010/main" val="0"/>
@@ -5777,6 +6395,36 @@
           </a:p>
         </p:txBody>
       </p:sp>
+      <p:pic>
+        <p:nvPicPr>
+          <p:cNvPr id="4" name="Picture 3" descr="project-planning-header@2x.png"/>
+          <p:cNvPicPr>
+            <a:picLocks noChangeAspect="1"/>
+          </p:cNvPicPr>
+          <p:nvPr/>
+        </p:nvPicPr>
+        <p:blipFill>
+          <a:blip r:embed="rId2">
+            <a:extLst>
+              <a:ext uri="{28A0092B-C50C-407E-A947-70E740481C1C}">
+                <a14:useLocalDpi xmlns:a14="http://schemas.microsoft.com/office/drawing/2010/main" val="0"/>
+              </a:ext>
+            </a:extLst>
+          </a:blip>
+          <a:stretch>
+            <a:fillRect/>
+          </a:stretch>
+        </p:blipFill>
+        <p:spPr>
+          <a:xfrm>
+            <a:off x="998953" y="1974429"/>
+            <a:ext cx="6889217" cy="2953752"/>
+          </a:xfrm>
+          <a:prstGeom prst="rect">
+            <a:avLst/>
+          </a:prstGeom>
+        </p:spPr>
+      </p:pic>
     </p:spTree>
     <p:extLst>
       <p:ext uri="{BB962C8B-B14F-4D97-AF65-F5344CB8AC3E}">
@@ -5928,9 +6576,280 @@
   <p:timing>
     <p:tnLst>
       <p:par>
-        <p:cTn xmlns:p14="http://schemas.microsoft.com/office/powerpoint/2010/main" id="1" dur="indefinite" restart="never" nodeType="tmRoot"/>
+        <p:cTn xmlns:p14="http://schemas.microsoft.com/office/powerpoint/2010/main" id="1" dur="indefinite" restart="never" nodeType="tmRoot">
+          <p:childTnLst>
+            <p:seq concurrent="1" nextAc="seek">
+              <p:cTn id="2" dur="indefinite" nodeType="mainSeq">
+                <p:childTnLst>
+                  <p:par>
+                    <p:cTn id="3" fill="hold">
+                      <p:stCondLst>
+                        <p:cond delay="indefinite"/>
+                      </p:stCondLst>
+                      <p:childTnLst>
+                        <p:par>
+                          <p:cTn id="4" fill="hold">
+                            <p:stCondLst>
+                              <p:cond delay="0"/>
+                            </p:stCondLst>
+                            <p:childTnLst>
+                              <p:par>
+                                <p:cTn id="5" presetID="1" presetClass="entr" presetSubtype="0" fill="hold" grpId="0" nodeType="clickEffect">
+                                  <p:stCondLst>
+                                    <p:cond delay="0"/>
+                                  </p:stCondLst>
+                                  <p:childTnLst>
+                                    <p:set>
+                                      <p:cBhvr>
+                                        <p:cTn id="6" dur="1" fill="hold">
+                                          <p:stCondLst>
+                                            <p:cond delay="0"/>
+                                          </p:stCondLst>
+                                        </p:cTn>
+                                        <p:tgtEl>
+                                          <p:spTgt spid="3">
+                                            <p:txEl>
+                                              <p:pRg st="0" end="0"/>
+                                            </p:txEl>
+                                          </p:spTgt>
+                                        </p:tgtEl>
+                                        <p:attrNameLst>
+                                          <p:attrName>style.visibility</p:attrName>
+                                        </p:attrNameLst>
+                                      </p:cBhvr>
+                                      <p:to>
+                                        <p:strVal val="visible"/>
+                                      </p:to>
+                                    </p:set>
+                                  </p:childTnLst>
+                                </p:cTn>
+                              </p:par>
+                            </p:childTnLst>
+                          </p:cTn>
+                        </p:par>
+                      </p:childTnLst>
+                    </p:cTn>
+                  </p:par>
+                  <p:par>
+                    <p:cTn id="7" fill="hold">
+                      <p:stCondLst>
+                        <p:cond delay="indefinite"/>
+                      </p:stCondLst>
+                      <p:childTnLst>
+                        <p:par>
+                          <p:cTn id="8" fill="hold">
+                            <p:stCondLst>
+                              <p:cond delay="0"/>
+                            </p:stCondLst>
+                            <p:childTnLst>
+                              <p:par>
+                                <p:cTn id="9" presetID="1" presetClass="entr" presetSubtype="0" fill="hold" grpId="0" nodeType="clickEffect">
+                                  <p:stCondLst>
+                                    <p:cond delay="0"/>
+                                  </p:stCondLst>
+                                  <p:childTnLst>
+                                    <p:set>
+                                      <p:cBhvr>
+                                        <p:cTn id="10" dur="1" fill="hold">
+                                          <p:stCondLst>
+                                            <p:cond delay="0"/>
+                                          </p:stCondLst>
+                                        </p:cTn>
+                                        <p:tgtEl>
+                                          <p:spTgt spid="3">
+                                            <p:txEl>
+                                              <p:pRg st="1" end="1"/>
+                                            </p:txEl>
+                                          </p:spTgt>
+                                        </p:tgtEl>
+                                        <p:attrNameLst>
+                                          <p:attrName>style.visibility</p:attrName>
+                                        </p:attrNameLst>
+                                      </p:cBhvr>
+                                      <p:to>
+                                        <p:strVal val="visible"/>
+                                      </p:to>
+                                    </p:set>
+                                  </p:childTnLst>
+                                </p:cTn>
+                              </p:par>
+                            </p:childTnLst>
+                          </p:cTn>
+                        </p:par>
+                      </p:childTnLst>
+                    </p:cTn>
+                  </p:par>
+                  <p:par>
+                    <p:cTn id="11" fill="hold">
+                      <p:stCondLst>
+                        <p:cond delay="indefinite"/>
+                      </p:stCondLst>
+                      <p:childTnLst>
+                        <p:par>
+                          <p:cTn id="12" fill="hold">
+                            <p:stCondLst>
+                              <p:cond delay="0"/>
+                            </p:stCondLst>
+                            <p:childTnLst>
+                              <p:par>
+                                <p:cTn id="13" presetID="1" presetClass="entr" presetSubtype="0" fill="hold" grpId="0" nodeType="clickEffect">
+                                  <p:stCondLst>
+                                    <p:cond delay="0"/>
+                                  </p:stCondLst>
+                                  <p:childTnLst>
+                                    <p:set>
+                                      <p:cBhvr>
+                                        <p:cTn id="14" dur="1" fill="hold">
+                                          <p:stCondLst>
+                                            <p:cond delay="0"/>
+                                          </p:stCondLst>
+                                        </p:cTn>
+                                        <p:tgtEl>
+                                          <p:spTgt spid="3">
+                                            <p:txEl>
+                                              <p:pRg st="2" end="2"/>
+                                            </p:txEl>
+                                          </p:spTgt>
+                                        </p:tgtEl>
+                                        <p:attrNameLst>
+                                          <p:attrName>style.visibility</p:attrName>
+                                        </p:attrNameLst>
+                                      </p:cBhvr>
+                                      <p:to>
+                                        <p:strVal val="visible"/>
+                                      </p:to>
+                                    </p:set>
+                                  </p:childTnLst>
+                                </p:cTn>
+                              </p:par>
+                            </p:childTnLst>
+                          </p:cTn>
+                        </p:par>
+                      </p:childTnLst>
+                    </p:cTn>
+                  </p:par>
+                  <p:par>
+                    <p:cTn id="15" fill="hold">
+                      <p:stCondLst>
+                        <p:cond delay="indefinite"/>
+                      </p:stCondLst>
+                      <p:childTnLst>
+                        <p:par>
+                          <p:cTn id="16" fill="hold">
+                            <p:stCondLst>
+                              <p:cond delay="0"/>
+                            </p:stCondLst>
+                            <p:childTnLst>
+                              <p:par>
+                                <p:cTn id="17" presetID="1" presetClass="entr" presetSubtype="0" fill="hold" grpId="0" nodeType="clickEffect">
+                                  <p:stCondLst>
+                                    <p:cond delay="0"/>
+                                  </p:stCondLst>
+                                  <p:childTnLst>
+                                    <p:set>
+                                      <p:cBhvr>
+                                        <p:cTn id="18" dur="1" fill="hold">
+                                          <p:stCondLst>
+                                            <p:cond delay="0"/>
+                                          </p:stCondLst>
+                                        </p:cTn>
+                                        <p:tgtEl>
+                                          <p:spTgt spid="3">
+                                            <p:txEl>
+                                              <p:pRg st="3" end="3"/>
+                                            </p:txEl>
+                                          </p:spTgt>
+                                        </p:tgtEl>
+                                        <p:attrNameLst>
+                                          <p:attrName>style.visibility</p:attrName>
+                                        </p:attrNameLst>
+                                      </p:cBhvr>
+                                      <p:to>
+                                        <p:strVal val="visible"/>
+                                      </p:to>
+                                    </p:set>
+                                  </p:childTnLst>
+                                </p:cTn>
+                              </p:par>
+                            </p:childTnLst>
+                          </p:cTn>
+                        </p:par>
+                      </p:childTnLst>
+                    </p:cTn>
+                  </p:par>
+                  <p:par>
+                    <p:cTn id="19" fill="hold">
+                      <p:stCondLst>
+                        <p:cond delay="indefinite"/>
+                      </p:stCondLst>
+                      <p:childTnLst>
+                        <p:par>
+                          <p:cTn id="20" fill="hold">
+                            <p:stCondLst>
+                              <p:cond delay="0"/>
+                            </p:stCondLst>
+                            <p:childTnLst>
+                              <p:par>
+                                <p:cTn id="21" presetID="1" presetClass="entr" presetSubtype="0" fill="hold" grpId="0" nodeType="clickEffect">
+                                  <p:stCondLst>
+                                    <p:cond delay="0"/>
+                                  </p:stCondLst>
+                                  <p:childTnLst>
+                                    <p:set>
+                                      <p:cBhvr>
+                                        <p:cTn id="22" dur="1" fill="hold">
+                                          <p:stCondLst>
+                                            <p:cond delay="0"/>
+                                          </p:stCondLst>
+                                        </p:cTn>
+                                        <p:tgtEl>
+                                          <p:spTgt spid="3">
+                                            <p:txEl>
+                                              <p:pRg st="4" end="4"/>
+                                            </p:txEl>
+                                          </p:spTgt>
+                                        </p:tgtEl>
+                                        <p:attrNameLst>
+                                          <p:attrName>style.visibility</p:attrName>
+                                        </p:attrNameLst>
+                                      </p:cBhvr>
+                                      <p:to>
+                                        <p:strVal val="visible"/>
+                                      </p:to>
+                                    </p:set>
+                                  </p:childTnLst>
+                                </p:cTn>
+                              </p:par>
+                            </p:childTnLst>
+                          </p:cTn>
+                        </p:par>
+                      </p:childTnLst>
+                    </p:cTn>
+                  </p:par>
+                </p:childTnLst>
+              </p:cTn>
+              <p:prevCondLst>
+                <p:cond evt="onPrev" delay="0">
+                  <p:tgtEl>
+                    <p:sldTgt/>
+                  </p:tgtEl>
+                </p:cond>
+              </p:prevCondLst>
+              <p:nextCondLst>
+                <p:cond evt="onNext" delay="0">
+                  <p:tgtEl>
+                    <p:sldTgt/>
+                  </p:tgtEl>
+                </p:cond>
+              </p:nextCondLst>
+            </p:seq>
+          </p:childTnLst>
+        </p:cTn>
       </p:par>
     </p:tnLst>
+    <p:bldLst>
+      <p:bldP spid="3" grpId="0" build="p"/>
+    </p:bldLst>
   </p:timing>
 </p:sld>
 </file>
@@ -5984,7 +6903,7 @@
           <p:nvPr/>
         </p:nvPicPr>
         <p:blipFill>
-          <a:blip r:embed="rId2">
+          <a:blip r:embed="rId3">
             <a:extLst>
               <a:ext uri="{28A0092B-C50C-407E-A947-70E740481C1C}">
                 <a14:useLocalDpi xmlns:a14="http://schemas.microsoft.com/office/drawing/2010/main" val="0"/>
@@ -6005,6 +6924,45 @@
           </a:prstGeom>
         </p:spPr>
       </p:pic>
+      <p:sp>
+        <p:nvSpPr>
+          <p:cNvPr id="3" name="TextBox 2"/>
+          <p:cNvSpPr txBox="1"/>
+          <p:nvPr/>
+        </p:nvSpPr>
+        <p:spPr>
+          <a:xfrm>
+            <a:off x="5965185" y="5664762"/>
+            <a:ext cx="3035171" cy="646331"/>
+          </a:xfrm>
+          <a:prstGeom prst="rect">
+            <a:avLst/>
+          </a:prstGeom>
+          <a:noFill/>
+        </p:spPr>
+        <p:txBody>
+          <a:bodyPr wrap="square" rtlCol="0">
+            <a:spAutoFit/>
+          </a:bodyPr>
+          <a:lstStyle/>
+          <a:p>
+            <a:r>
+              <a:rPr lang="en-US" dirty="0" smtClean="0"/>
+              <a:t>CRAIG NORFORD</a:t>
+            </a:r>
+          </a:p>
+          <a:p>
+            <a:r>
+              <a:rPr lang="en-US" dirty="0" err="1" smtClean="0"/>
+              <a:t>GitHub</a:t>
+            </a:r>
+            <a:r>
+              <a:rPr lang="en-US" dirty="0" smtClean="0"/>
+              <a:t>: craig1001</a:t>
+            </a:r>
+          </a:p>
+        </p:txBody>
+      </p:sp>
     </p:spTree>
     <p:extLst>
       <p:ext uri="{BB962C8B-B14F-4D97-AF65-F5344CB8AC3E}">
@@ -6380,7 +7338,7 @@
           <p:nvPr/>
         </p:nvPicPr>
         <p:blipFill>
-          <a:blip r:embed="rId2">
+          <a:blip r:embed="rId3">
             <a:extLst>
               <a:ext uri="{28A0092B-C50C-407E-A947-70E740481C1C}">
                 <a14:useLocalDpi xmlns:a14="http://schemas.microsoft.com/office/drawing/2010/main" val="0"/>
@@ -7247,13 +8205,13 @@
   <p:clrMapOvr>
     <a:masterClrMapping/>
   </p:clrMapOvr>
-  <mc:AlternateContent xmlns:mc="http://schemas.openxmlformats.org/markup-compatibility/2006">
-    <mc:Choice xmlns:p14="http://schemas.microsoft.com/office/powerpoint/2010/main" Requires="p14">
+  <mc:AlternateContent xmlns:mc="http://schemas.openxmlformats.org/markup-compatibility/2006" xmlns:p14="http://schemas.microsoft.com/office/powerpoint/2010/main">
+    <mc:Choice Requires="p14">
       <p:transition p14:dur="100">
         <p:cut/>
       </p:transition>
     </mc:Choice>
-    <mc:Fallback>
+    <mc:Fallback xmlns="">
       <p:transition xmlns:p14="http://schemas.microsoft.com/office/powerpoint/2010/main">
         <p:cut/>
       </p:transition>
@@ -8017,8 +8975,21 @@
             </a:pPr>
             <a:r>
               <a:rPr lang="en-US" dirty="0" smtClean="0"/>
-              <a:t>GIT INIT</a:t>
-            </a:r>
+              <a:t>GIT </a:t>
+            </a:r>
+            <a:r>
+              <a:rPr lang="en-US" dirty="0" smtClean="0"/>
+              <a:t>INIT </a:t>
+            </a:r>
+            <a:r>
+              <a:rPr lang="mr-IN" dirty="0" smtClean="0"/>
+              <a:t>–</a:t>
+            </a:r>
+            <a:r>
+              <a:rPr lang="en-US" dirty="0" smtClean="0"/>
+              <a:t> initialize repository</a:t>
+            </a:r>
+            <a:endParaRPr lang="en-US" dirty="0" smtClean="0"/>
           </a:p>
           <a:p>
             <a:pPr>
@@ -8035,8 +9006,21 @@
             </a:r>
             <a:r>
               <a:rPr lang="en-US" dirty="0" smtClean="0"/>
-              <a:t>|| FILE NAME)</a:t>
-            </a:r>
+              <a:t>|| FILE NAME</a:t>
+            </a:r>
+            <a:r>
+              <a:rPr lang="en-US" dirty="0" smtClean="0"/>
+              <a:t>) </a:t>
+            </a:r>
+            <a:r>
+              <a:rPr lang="mr-IN" dirty="0" smtClean="0"/>
+              <a:t>–</a:t>
+            </a:r>
+            <a:r>
+              <a:rPr lang="en-US" dirty="0" smtClean="0"/>
+              <a:t> stage changes</a:t>
+            </a:r>
+            <a:endParaRPr lang="en-US" dirty="0" smtClean="0"/>
           </a:p>
           <a:p>
             <a:pPr>
@@ -8045,8 +9029,21 @@
             </a:pPr>
             <a:r>
               <a:rPr lang="en-US" dirty="0" smtClean="0"/>
-              <a:t>GIT SATUS</a:t>
-            </a:r>
+              <a:t>GIT </a:t>
+            </a:r>
+            <a:r>
+              <a:rPr lang="en-US" dirty="0" smtClean="0"/>
+              <a:t>SATUS </a:t>
+            </a:r>
+            <a:r>
+              <a:rPr lang="mr-IN" dirty="0" smtClean="0"/>
+              <a:t>–</a:t>
+            </a:r>
+            <a:r>
+              <a:rPr lang="en-US" dirty="0" smtClean="0"/>
+              <a:t> show the current status of the working directory and the staging area</a:t>
+            </a:r>
+            <a:endParaRPr lang="en-US" dirty="0" smtClean="0"/>
           </a:p>
           <a:p>
             <a:pPr>
@@ -8055,8 +9052,21 @@
             </a:pPr>
             <a:r>
               <a:rPr lang="en-US" dirty="0" smtClean="0"/>
-              <a:t>GIT COMMIT</a:t>
-            </a:r>
+              <a:t>GIT </a:t>
+            </a:r>
+            <a:r>
+              <a:rPr lang="en-US" dirty="0" smtClean="0"/>
+              <a:t>COMMIT </a:t>
+            </a:r>
+            <a:r>
+              <a:rPr lang="mr-IN" dirty="0" smtClean="0"/>
+              <a:t>–</a:t>
+            </a:r>
+            <a:r>
+              <a:rPr lang="en-US" dirty="0" smtClean="0"/>
+              <a:t> captures a snapshot of the project</a:t>
+            </a:r>
+            <a:endParaRPr lang="en-US" dirty="0" smtClean="0"/>
           </a:p>
           <a:p>
             <a:pPr>
@@ -8065,8 +9075,21 @@
             </a:pPr>
             <a:r>
               <a:rPr lang="en-US" dirty="0" smtClean="0"/>
-              <a:t>GIT BRANCH</a:t>
-            </a:r>
+              <a:t>GIT </a:t>
+            </a:r>
+            <a:r>
+              <a:rPr lang="en-US" dirty="0" smtClean="0"/>
+              <a:t>BRANCH </a:t>
+            </a:r>
+            <a:r>
+              <a:rPr lang="mr-IN" dirty="0" smtClean="0"/>
+              <a:t>–</a:t>
+            </a:r>
+            <a:r>
+              <a:rPr lang="en-US" dirty="0" smtClean="0"/>
+              <a:t> create an independent like of development (alternate timeline)</a:t>
+            </a:r>
+            <a:endParaRPr lang="en-US" dirty="0" smtClean="0"/>
           </a:p>
           <a:p>
             <a:pPr>
@@ -8075,8 +9098,21 @@
             </a:pPr>
             <a:r>
               <a:rPr lang="en-US" dirty="0" smtClean="0"/>
-              <a:t>GIT CHECKOUT</a:t>
-            </a:r>
+              <a:t>GIT </a:t>
+            </a:r>
+            <a:r>
+              <a:rPr lang="en-US" dirty="0" smtClean="0"/>
+              <a:t>CHECKOUT </a:t>
+            </a:r>
+            <a:r>
+              <a:rPr lang="mr-IN" dirty="0" smtClean="0"/>
+              <a:t>–</a:t>
+            </a:r>
+            <a:r>
+              <a:rPr lang="en-US" dirty="0" smtClean="0"/>
+              <a:t> switch branch</a:t>
+            </a:r>
+            <a:endParaRPr lang="en-US" dirty="0" smtClean="0"/>
           </a:p>
           <a:p>
             <a:pPr>
@@ -8385,12 +9421,70 @@
             </a:pPr>
             <a:r>
               <a:rPr lang="en-US" dirty="0" smtClean="0"/>
-              <a:t>Fork, pull requests and merge</a:t>
-            </a:r>
+              <a:t>Fork, pull requests and </a:t>
+            </a:r>
+            <a:r>
+              <a:rPr lang="en-US" dirty="0" smtClean="0"/>
+              <a:t>merge</a:t>
+            </a:r>
+          </a:p>
+          <a:p>
+            <a:pPr>
+              <a:buFont typeface="Arial"/>
+              <a:buChar char="•"/>
+            </a:pPr>
+            <a:r>
+              <a:rPr lang="en-US" dirty="0" smtClean="0"/>
+              <a:t>ALOT of software is hosted on </a:t>
+            </a:r>
+            <a:r>
+              <a:rPr lang="en-US" dirty="0" err="1" smtClean="0"/>
+              <a:t>GiHub</a:t>
+            </a:r>
+            <a:r>
+              <a:rPr lang="en-US" dirty="0" smtClean="0"/>
+              <a:t> </a:t>
+            </a:r>
+          </a:p>
+          <a:p>
+            <a:pPr>
+              <a:buFont typeface="Arial"/>
+              <a:buChar char="•"/>
+            </a:pPr>
             <a:endParaRPr lang="en-US" dirty="0"/>
           </a:p>
         </p:txBody>
       </p:sp>
+      <p:pic>
+        <p:nvPicPr>
+          <p:cNvPr id="4" name="Picture 3" descr="Supermanflying.png"/>
+          <p:cNvPicPr>
+            <a:picLocks noChangeAspect="1"/>
+          </p:cNvPicPr>
+          <p:nvPr/>
+        </p:nvPicPr>
+        <p:blipFill>
+          <a:blip r:embed="rId3">
+            <a:extLst>
+              <a:ext uri="{28A0092B-C50C-407E-A947-70E740481C1C}">
+                <a14:useLocalDpi xmlns:a14="http://schemas.microsoft.com/office/drawing/2010/main" val="0"/>
+              </a:ext>
+            </a:extLst>
+          </a:blip>
+          <a:stretch>
+            <a:fillRect/>
+          </a:stretch>
+        </p:blipFill>
+        <p:spPr>
+          <a:xfrm>
+            <a:off x="5830597" y="497090"/>
+            <a:ext cx="2381250" cy="3571875"/>
+          </a:xfrm>
+          <a:prstGeom prst="rect">
+            <a:avLst/>
+          </a:prstGeom>
+        </p:spPr>
+      </p:pic>
     </p:spTree>
     <p:extLst>
       <p:ext uri="{BB962C8B-B14F-4D97-AF65-F5344CB8AC3E}">
@@ -8578,9 +9672,319 @@
   <p:timing>
     <p:tnLst>
       <p:par>
-        <p:cTn xmlns:p14="http://schemas.microsoft.com/office/powerpoint/2010/main" id="1" dur="indefinite" restart="never" nodeType="tmRoot"/>
+        <p:cTn xmlns:p14="http://schemas.microsoft.com/office/powerpoint/2010/main" id="1" dur="indefinite" restart="never" nodeType="tmRoot">
+          <p:childTnLst>
+            <p:seq concurrent="1" nextAc="seek">
+              <p:cTn id="2" dur="indefinite" nodeType="mainSeq">
+                <p:childTnLst>
+                  <p:par>
+                    <p:cTn id="3" fill="hold">
+                      <p:stCondLst>
+                        <p:cond delay="indefinite"/>
+                      </p:stCondLst>
+                      <p:childTnLst>
+                        <p:par>
+                          <p:cTn id="4" fill="hold">
+                            <p:stCondLst>
+                              <p:cond delay="0"/>
+                            </p:stCondLst>
+                            <p:childTnLst>
+                              <p:par>
+                                <p:cTn id="5" presetID="1" presetClass="entr" presetSubtype="0" fill="hold" grpId="0" nodeType="clickEffect">
+                                  <p:stCondLst>
+                                    <p:cond delay="0"/>
+                                  </p:stCondLst>
+                                  <p:childTnLst>
+                                    <p:set>
+                                      <p:cBhvr>
+                                        <p:cTn id="6" dur="1" fill="hold">
+                                          <p:stCondLst>
+                                            <p:cond delay="0"/>
+                                          </p:stCondLst>
+                                        </p:cTn>
+                                        <p:tgtEl>
+                                          <p:spTgt spid="3">
+                                            <p:txEl>
+                                              <p:pRg st="0" end="0"/>
+                                            </p:txEl>
+                                          </p:spTgt>
+                                        </p:tgtEl>
+                                        <p:attrNameLst>
+                                          <p:attrName>style.visibility</p:attrName>
+                                        </p:attrNameLst>
+                                      </p:cBhvr>
+                                      <p:to>
+                                        <p:strVal val="visible"/>
+                                      </p:to>
+                                    </p:set>
+                                  </p:childTnLst>
+                                </p:cTn>
+                              </p:par>
+                              <p:par>
+                                <p:cTn id="7" presetID="1" presetClass="entr" presetSubtype="0" fill="hold" grpId="0" nodeType="withEffect">
+                                  <p:stCondLst>
+                                    <p:cond delay="0"/>
+                                  </p:stCondLst>
+                                  <p:childTnLst>
+                                    <p:set>
+                                      <p:cBhvr>
+                                        <p:cTn id="8" dur="1" fill="hold">
+                                          <p:stCondLst>
+                                            <p:cond delay="0"/>
+                                          </p:stCondLst>
+                                        </p:cTn>
+                                        <p:tgtEl>
+                                          <p:spTgt spid="3">
+                                            <p:txEl>
+                                              <p:pRg st="1" end="1"/>
+                                            </p:txEl>
+                                          </p:spTgt>
+                                        </p:tgtEl>
+                                        <p:attrNameLst>
+                                          <p:attrName>style.visibility</p:attrName>
+                                        </p:attrNameLst>
+                                      </p:cBhvr>
+                                      <p:to>
+                                        <p:strVal val="visible"/>
+                                      </p:to>
+                                    </p:set>
+                                  </p:childTnLst>
+                                </p:cTn>
+                              </p:par>
+                            </p:childTnLst>
+                          </p:cTn>
+                        </p:par>
+                      </p:childTnLst>
+                    </p:cTn>
+                  </p:par>
+                  <p:par>
+                    <p:cTn id="9" fill="hold">
+                      <p:stCondLst>
+                        <p:cond delay="indefinite"/>
+                      </p:stCondLst>
+                      <p:childTnLst>
+                        <p:par>
+                          <p:cTn id="10" fill="hold">
+                            <p:stCondLst>
+                              <p:cond delay="0"/>
+                            </p:stCondLst>
+                            <p:childTnLst>
+                              <p:par>
+                                <p:cTn id="11" presetID="1" presetClass="entr" presetSubtype="0" fill="hold" grpId="0" nodeType="clickEffect">
+                                  <p:stCondLst>
+                                    <p:cond delay="0"/>
+                                  </p:stCondLst>
+                                  <p:childTnLst>
+                                    <p:set>
+                                      <p:cBhvr>
+                                        <p:cTn id="12" dur="1" fill="hold">
+                                          <p:stCondLst>
+                                            <p:cond delay="0"/>
+                                          </p:stCondLst>
+                                        </p:cTn>
+                                        <p:tgtEl>
+                                          <p:spTgt spid="3">
+                                            <p:txEl>
+                                              <p:pRg st="3" end="3"/>
+                                            </p:txEl>
+                                          </p:spTgt>
+                                        </p:tgtEl>
+                                        <p:attrNameLst>
+                                          <p:attrName>style.visibility</p:attrName>
+                                        </p:attrNameLst>
+                                      </p:cBhvr>
+                                      <p:to>
+                                        <p:strVal val="visible"/>
+                                      </p:to>
+                                    </p:set>
+                                  </p:childTnLst>
+                                </p:cTn>
+                              </p:par>
+                              <p:par>
+                                <p:cTn id="13" presetID="1" presetClass="entr" presetSubtype="0" fill="hold" grpId="0" nodeType="withEffect">
+                                  <p:stCondLst>
+                                    <p:cond delay="0"/>
+                                  </p:stCondLst>
+                                  <p:childTnLst>
+                                    <p:set>
+                                      <p:cBhvr>
+                                        <p:cTn id="14" dur="1" fill="hold">
+                                          <p:stCondLst>
+                                            <p:cond delay="0"/>
+                                          </p:stCondLst>
+                                        </p:cTn>
+                                        <p:tgtEl>
+                                          <p:spTgt spid="3">
+                                            <p:txEl>
+                                              <p:pRg st="4" end="4"/>
+                                            </p:txEl>
+                                          </p:spTgt>
+                                        </p:tgtEl>
+                                        <p:attrNameLst>
+                                          <p:attrName>style.visibility</p:attrName>
+                                        </p:attrNameLst>
+                                      </p:cBhvr>
+                                      <p:to>
+                                        <p:strVal val="visible"/>
+                                      </p:to>
+                                    </p:set>
+                                  </p:childTnLst>
+                                </p:cTn>
+                              </p:par>
+                              <p:par>
+                                <p:cTn id="15" presetID="1" presetClass="entr" presetSubtype="0" fill="hold" grpId="0" nodeType="withEffect">
+                                  <p:stCondLst>
+                                    <p:cond delay="0"/>
+                                  </p:stCondLst>
+                                  <p:childTnLst>
+                                    <p:set>
+                                      <p:cBhvr>
+                                        <p:cTn id="16" dur="1" fill="hold">
+                                          <p:stCondLst>
+                                            <p:cond delay="0"/>
+                                          </p:stCondLst>
+                                        </p:cTn>
+                                        <p:tgtEl>
+                                          <p:spTgt spid="3">
+                                            <p:txEl>
+                                              <p:pRg st="5" end="5"/>
+                                            </p:txEl>
+                                          </p:spTgt>
+                                        </p:tgtEl>
+                                        <p:attrNameLst>
+                                          <p:attrName>style.visibility</p:attrName>
+                                        </p:attrNameLst>
+                                      </p:cBhvr>
+                                      <p:to>
+                                        <p:strVal val="visible"/>
+                                      </p:to>
+                                    </p:set>
+                                  </p:childTnLst>
+                                </p:cTn>
+                              </p:par>
+                              <p:par>
+                                <p:cTn id="17" presetID="1" presetClass="entr" presetSubtype="0" fill="hold" grpId="0" nodeType="withEffect">
+                                  <p:stCondLst>
+                                    <p:cond delay="0"/>
+                                  </p:stCondLst>
+                                  <p:childTnLst>
+                                    <p:set>
+                                      <p:cBhvr>
+                                        <p:cTn id="18" dur="1" fill="hold">
+                                          <p:stCondLst>
+                                            <p:cond delay="0"/>
+                                          </p:stCondLst>
+                                        </p:cTn>
+                                        <p:tgtEl>
+                                          <p:spTgt spid="3">
+                                            <p:txEl>
+                                              <p:pRg st="6" end="6"/>
+                                            </p:txEl>
+                                          </p:spTgt>
+                                        </p:tgtEl>
+                                        <p:attrNameLst>
+                                          <p:attrName>style.visibility</p:attrName>
+                                        </p:attrNameLst>
+                                      </p:cBhvr>
+                                      <p:to>
+                                        <p:strVal val="visible"/>
+                                      </p:to>
+                                    </p:set>
+                                  </p:childTnLst>
+                                </p:cTn>
+                              </p:par>
+                              <p:par>
+                                <p:cTn id="19" presetID="1" presetClass="entr" presetSubtype="0" fill="hold" grpId="0" nodeType="withEffect">
+                                  <p:stCondLst>
+                                    <p:cond delay="0"/>
+                                  </p:stCondLst>
+                                  <p:childTnLst>
+                                    <p:set>
+                                      <p:cBhvr>
+                                        <p:cTn id="20" dur="1" fill="hold">
+                                          <p:stCondLst>
+                                            <p:cond delay="0"/>
+                                          </p:stCondLst>
+                                        </p:cTn>
+                                        <p:tgtEl>
+                                          <p:spTgt spid="3">
+                                            <p:txEl>
+                                              <p:pRg st="7" end="7"/>
+                                            </p:txEl>
+                                          </p:spTgt>
+                                        </p:tgtEl>
+                                        <p:attrNameLst>
+                                          <p:attrName>style.visibility</p:attrName>
+                                        </p:attrNameLst>
+                                      </p:cBhvr>
+                                      <p:to>
+                                        <p:strVal val="visible"/>
+                                      </p:to>
+                                    </p:set>
+                                  </p:childTnLst>
+                                </p:cTn>
+                              </p:par>
+                              <p:par>
+                                <p:cTn id="21" presetID="1" presetClass="entr" presetSubtype="0" fill="hold" grpId="0" nodeType="withEffect">
+                                  <p:stCondLst>
+                                    <p:cond delay="0"/>
+                                  </p:stCondLst>
+                                  <p:childTnLst>
+                                    <p:set>
+                                      <p:cBhvr>
+                                        <p:cTn id="22" dur="1" fill="hold">
+                                          <p:stCondLst>
+                                            <p:cond delay="0"/>
+                                          </p:stCondLst>
+                                        </p:cTn>
+                                        <p:tgtEl>
+                                          <p:spTgt spid="3">
+                                            <p:txEl>
+                                              <p:pRg st="8" end="8"/>
+                                            </p:txEl>
+                                          </p:spTgt>
+                                        </p:tgtEl>
+                                        <p:attrNameLst>
+                                          <p:attrName>style.visibility</p:attrName>
+                                        </p:attrNameLst>
+                                      </p:cBhvr>
+                                      <p:to>
+                                        <p:strVal val="visible"/>
+                                      </p:to>
+                                    </p:set>
+                                  </p:childTnLst>
+                                </p:cTn>
+                              </p:par>
+                            </p:childTnLst>
+                          </p:cTn>
+                        </p:par>
+                      </p:childTnLst>
+                    </p:cTn>
+                  </p:par>
+                </p:childTnLst>
+              </p:cTn>
+              <p:prevCondLst>
+                <p:cond evt="onPrev" delay="0">
+                  <p:tgtEl>
+                    <p:sldTgt/>
+                  </p:tgtEl>
+                </p:cond>
+              </p:prevCondLst>
+              <p:nextCondLst>
+                <p:cond evt="onNext" delay="0">
+                  <p:tgtEl>
+                    <p:sldTgt/>
+                  </p:tgtEl>
+                </p:cond>
+              </p:nextCondLst>
+            </p:seq>
+          </p:childTnLst>
+        </p:cTn>
       </p:par>
     </p:tnLst>
+    <p:bldLst>
+      <p:bldP spid="3" grpId="0" build="p"/>
+    </p:bldLst>
   </p:timing>
 </p:sld>
 </file>
@@ -8702,6 +10106,96 @@
             <a:r>
               <a:rPr lang="en-US" dirty="0" smtClean="0"/>
               <a:t> to experiment with.</a:t>
+            </a:r>
+            <a:endParaRPr lang="en-US" dirty="0"/>
+          </a:p>
+        </p:txBody>
+      </p:sp>
+      <p:sp>
+        <p:nvSpPr>
+          <p:cNvPr id="4" name="TextBox 3"/>
+          <p:cNvSpPr txBox="1"/>
+          <p:nvPr/>
+        </p:nvSpPr>
+        <p:spPr>
+          <a:xfrm>
+            <a:off x="4452482" y="5152741"/>
+            <a:ext cx="3891418" cy="369332"/>
+          </a:xfrm>
+          <a:prstGeom prst="rect">
+            <a:avLst/>
+          </a:prstGeom>
+          <a:noFill/>
+        </p:spPr>
+        <p:txBody>
+          <a:bodyPr wrap="square" rtlCol="0">
+            <a:spAutoFit/>
+          </a:bodyPr>
+          <a:lstStyle/>
+          <a:p>
+            <a:r>
+              <a:rPr lang="en-US" u="sng" dirty="0" smtClean="0"/>
+              <a:t>Activity</a:t>
+            </a:r>
+            <a:endParaRPr lang="en-US" u="sng" dirty="0"/>
+          </a:p>
+        </p:txBody>
+      </p:sp>
+      <p:sp>
+        <p:nvSpPr>
+          <p:cNvPr id="5" name="TextBox 4"/>
+          <p:cNvSpPr txBox="1"/>
+          <p:nvPr/>
+        </p:nvSpPr>
+        <p:spPr>
+          <a:xfrm>
+            <a:off x="4452482" y="6051682"/>
+            <a:ext cx="3891418" cy="646331"/>
+          </a:xfrm>
+          <a:prstGeom prst="rect">
+            <a:avLst/>
+          </a:prstGeom>
+          <a:noFill/>
+        </p:spPr>
+        <p:txBody>
+          <a:bodyPr wrap="square" rtlCol="0">
+            <a:spAutoFit/>
+          </a:bodyPr>
+          <a:lstStyle/>
+          <a:p>
+            <a:r>
+              <a:rPr lang="en-US" dirty="0" smtClean="0"/>
+              <a:t>2. Clone clone this repository to your computer.</a:t>
+            </a:r>
+            <a:endParaRPr lang="en-US" dirty="0"/>
+          </a:p>
+        </p:txBody>
+      </p:sp>
+      <p:sp>
+        <p:nvSpPr>
+          <p:cNvPr id="6" name="TextBox 5"/>
+          <p:cNvSpPr txBox="1"/>
+          <p:nvPr/>
+        </p:nvSpPr>
+        <p:spPr>
+          <a:xfrm>
+            <a:off x="4452482" y="5551440"/>
+            <a:ext cx="3705898" cy="369332"/>
+          </a:xfrm>
+          <a:prstGeom prst="rect">
+            <a:avLst/>
+          </a:prstGeom>
+          <a:noFill/>
+        </p:spPr>
+        <p:txBody>
+          <a:bodyPr wrap="square" rtlCol="0">
+            <a:spAutoFit/>
+          </a:bodyPr>
+          <a:lstStyle/>
+          <a:p>
+            <a:r>
+              <a:rPr lang="en-US" dirty="0" smtClean="0"/>
+              <a:t>1. Fork this repository</a:t>
             </a:r>
             <a:endParaRPr lang="en-US" dirty="0"/>
           </a:p>
